--- a/Presentaciones/Swell - Optimización de estrategias - Plan de trabajo.pptx
+++ b/Presentaciones/Swell - Optimización de estrategias - Plan de trabajo.pptx
@@ -5,32 +5,33 @@
     <p:sldMasterId id="2147483676" r:id="rId1"/>
   </p:sldMasterIdLst>
   <p:notesMasterIdLst>
-    <p:notesMasterId r:id="rId5"/>
+    <p:notesMasterId r:id="rId6"/>
   </p:notesMasterIdLst>
   <p:handoutMasterIdLst>
-    <p:handoutMasterId r:id="rId6"/>
+    <p:handoutMasterId r:id="rId7"/>
   </p:handoutMasterIdLst>
   <p:sldIdLst>
     <p:sldId id="306" r:id="rId2"/>
     <p:sldId id="382" r:id="rId3"/>
     <p:sldId id="383" r:id="rId4"/>
+    <p:sldId id="384" r:id="rId5"/>
   </p:sldIdLst>
   <p:sldSz cx="9144000" cy="5143500" type="screen16x9"/>
   <p:notesSz cx="6858000" cy="9144000"/>
   <p:embeddedFontLst>
     <p:embeddedFont>
       <p:font typeface="Montserrat Medium" panose="020B0604020202020204" charset="0"/>
-      <p:regular r:id="rId7"/>
-      <p:bold r:id="rId8"/>
-      <p:italic r:id="rId9"/>
-      <p:boldItalic r:id="rId10"/>
+      <p:regular r:id="rId8"/>
+      <p:bold r:id="rId9"/>
+      <p:italic r:id="rId10"/>
+      <p:boldItalic r:id="rId11"/>
     </p:embeddedFont>
     <p:embeddedFont>
       <p:font typeface="Open Sans" panose="020B0604020202020204" charset="0"/>
-      <p:regular r:id="rId11"/>
-      <p:bold r:id="rId12"/>
-      <p:italic r:id="rId13"/>
-      <p:boldItalic r:id="rId14"/>
+      <p:regular r:id="rId12"/>
+      <p:bold r:id="rId13"/>
+      <p:italic r:id="rId14"/>
+      <p:boldItalic r:id="rId15"/>
     </p:embeddedFont>
   </p:embeddedFontLst>
   <p:defaultTextStyle>
@@ -390,7 +391,7 @@
           <a:p>
             <a:fld id="{58996DD2-7C55-401B-B490-511405823B84}" type="datetimeFigureOut">
               <a:rPr lang="en-US" smtClean="0"/>
-              <a:t>2/9/2021</a:t>
+              <a:t>2/13/2021</a:t>
             </a:fld>
             <a:endParaRPr lang="en-US"/>
           </a:p>
@@ -5250,6 +5251,436 @@
     <p:extLst>
       <p:ext uri="{BB962C8B-B14F-4D97-AF65-F5344CB8AC3E}">
         <p14:creationId xmlns:p14="http://schemas.microsoft.com/office/powerpoint/2010/main" val="1530843517"/>
+      </p:ext>
+    </p:extLst>
+  </p:cSld>
+  <p:clrMapOvr>
+    <a:masterClrMapping/>
+  </p:clrMapOvr>
+</p:sld>
+</file>
+
+<file path=ppt/slides/slide4.xml><?xml version="1.0" encoding="utf-8"?>
+<p:sld xmlns:a="http://schemas.openxmlformats.org/drawingml/2006/main" xmlns:r="http://schemas.openxmlformats.org/officeDocument/2006/relationships" xmlns:p="http://schemas.openxmlformats.org/presentationml/2006/main">
+  <p:cSld>
+    <p:spTree>
+      <p:nvGrpSpPr>
+        <p:cNvPr id="1" name=""/>
+        <p:cNvGrpSpPr/>
+        <p:nvPr/>
+      </p:nvGrpSpPr>
+      <p:grpSpPr>
+        <a:xfrm>
+          <a:off x="0" y="0"/>
+          <a:ext cx="0" cy="0"/>
+          <a:chOff x="0" y="0"/>
+          <a:chExt cx="0" cy="0"/>
+        </a:xfrm>
+      </p:grpSpPr>
+      <p:sp>
+        <p:nvSpPr>
+          <p:cNvPr id="4" name="Marcador de texto 3">
+            <a:extLst>
+              <a:ext uri="{FF2B5EF4-FFF2-40B4-BE49-F238E27FC236}">
+                <a16:creationId xmlns:a16="http://schemas.microsoft.com/office/drawing/2014/main" id="{55E779F4-73C4-435D-8652-207FBED77C1B}"/>
+              </a:ext>
+            </a:extLst>
+          </p:cNvPr>
+          <p:cNvSpPr>
+            <a:spLocks noGrp="1"/>
+          </p:cNvSpPr>
+          <p:nvPr>
+            <p:ph type="body" idx="4294967295"/>
+          </p:nvPr>
+        </p:nvSpPr>
+        <p:spPr>
+          <a:xfrm>
+            <a:off x="326571" y="304801"/>
+            <a:ext cx="8654143" cy="4484914"/>
+          </a:xfrm>
+        </p:spPr>
+        <p:txBody>
+          <a:bodyPr/>
+          <a:lstStyle/>
+          <a:p>
+            <a:pPr marL="114300" indent="0">
+              <a:lnSpc>
+                <a:spcPct val="100000"/>
+              </a:lnSpc>
+              <a:buClr>
+                <a:srgbClr val="677480"/>
+              </a:buClr>
+              <a:buSzPts val="1100"/>
+              <a:buNone/>
+              <a:defRPr/>
+            </a:pPr>
+            <a:r>
+              <a:rPr lang="es-MX" sz="1600" b="1" i="1" dirty="0">
+                <a:solidFill>
+                  <a:srgbClr val="677480"/>
+                </a:solidFill>
+                <a:latin typeface="Montserrat Medium" panose="020B0604020202020204" charset="0"/>
+                <a:ea typeface="Open Sans" panose="020B0604020202020204" charset="0"/>
+                <a:cs typeface="Open Sans" panose="020B0604020202020204" charset="0"/>
+                <a:sym typeface="Lato"/>
+              </a:rPr>
+              <a:t>Pasos para entender archivo:</a:t>
+            </a:r>
+          </a:p>
+          <a:p>
+            <a:pPr>
+              <a:lnSpc>
+                <a:spcPct val="100000"/>
+              </a:lnSpc>
+              <a:buClr>
+                <a:srgbClr val="677480"/>
+              </a:buClr>
+              <a:buSzPts val="1100"/>
+              <a:buFont typeface="+mj-lt"/>
+              <a:buAutoNum type="arabicPeriod"/>
+              <a:defRPr/>
+            </a:pPr>
+            <a:endParaRPr lang="es-MX" sz="1400" b="1" i="1" dirty="0">
+              <a:solidFill>
+                <a:srgbClr val="677480"/>
+              </a:solidFill>
+              <a:latin typeface="Montserrat Medium" panose="020B0604020202020204" charset="0"/>
+              <a:ea typeface="Open Sans" panose="020B0604020202020204" charset="0"/>
+              <a:cs typeface="Open Sans" panose="020B0604020202020204" charset="0"/>
+              <a:sym typeface="Lato"/>
+            </a:endParaRPr>
+          </a:p>
+          <a:p>
+            <a:pPr>
+              <a:lnSpc>
+                <a:spcPct val="100000"/>
+              </a:lnSpc>
+              <a:buClr>
+                <a:srgbClr val="677480"/>
+              </a:buClr>
+              <a:buSzPts val="1100"/>
+              <a:buFont typeface="+mj-lt"/>
+              <a:buAutoNum type="arabicPeriod"/>
+              <a:defRPr/>
+            </a:pPr>
+            <a:r>
+              <a:rPr lang="es-MX" sz="1400" dirty="0">
+                <a:solidFill>
+                  <a:srgbClr val="677480"/>
+                </a:solidFill>
+                <a:latin typeface="Montserrat Medium" panose="020B0604020202020204" charset="0"/>
+                <a:ea typeface="Open Sans" panose="020B0604020202020204" charset="0"/>
+                <a:cs typeface="Open Sans" panose="020B0604020202020204" charset="0"/>
+                <a:sym typeface="Lato"/>
+              </a:rPr>
+              <a:t>Descripción de archivo: DATOS ECH, LADO A, LADO A + B</a:t>
+            </a:r>
+          </a:p>
+          <a:p>
+            <a:pPr>
+              <a:lnSpc>
+                <a:spcPct val="100000"/>
+              </a:lnSpc>
+              <a:buClr>
+                <a:srgbClr val="677480"/>
+              </a:buClr>
+              <a:buSzPts val="1100"/>
+              <a:buFont typeface="+mj-lt"/>
+              <a:buAutoNum type="arabicPeriod"/>
+              <a:defRPr/>
+            </a:pPr>
+            <a:r>
+              <a:rPr lang="es-MX" sz="1400" dirty="0">
+                <a:solidFill>
+                  <a:srgbClr val="677480"/>
+                </a:solidFill>
+                <a:latin typeface="Montserrat Medium" panose="020B0604020202020204" charset="0"/>
+                <a:ea typeface="Open Sans" panose="020B0604020202020204" charset="0"/>
+                <a:cs typeface="Open Sans" panose="020B0604020202020204" charset="0"/>
+                <a:sym typeface="Lato"/>
+              </a:rPr>
+              <a:t>Descripción de datos</a:t>
+            </a:r>
+          </a:p>
+          <a:p>
+            <a:pPr>
+              <a:lnSpc>
+                <a:spcPct val="100000"/>
+              </a:lnSpc>
+              <a:buClr>
+                <a:srgbClr val="677480"/>
+              </a:buClr>
+              <a:buSzPts val="1100"/>
+              <a:buFont typeface="+mj-lt"/>
+              <a:buAutoNum type="arabicPeriod"/>
+              <a:defRPr/>
+            </a:pPr>
+            <a:r>
+              <a:rPr lang="es-MX" sz="1400" dirty="0">
+                <a:solidFill>
+                  <a:srgbClr val="677480"/>
+                </a:solidFill>
+                <a:latin typeface="Montserrat Medium" panose="020B0604020202020204" charset="0"/>
+                <a:ea typeface="Open Sans" panose="020B0604020202020204" charset="0"/>
+                <a:cs typeface="Open Sans" panose="020B0604020202020204" charset="0"/>
+                <a:sym typeface="Lato"/>
+              </a:rPr>
+              <a:t>Procedimiento de cálculo de fractales (F1, F2, F3, F4, F5, F6, F7, F8, F9) intradía</a:t>
+            </a:r>
+          </a:p>
+          <a:p>
+            <a:pPr>
+              <a:lnSpc>
+                <a:spcPct val="100000"/>
+              </a:lnSpc>
+              <a:buClr>
+                <a:srgbClr val="677480"/>
+              </a:buClr>
+              <a:buSzPts val="1100"/>
+              <a:buFont typeface="+mj-lt"/>
+              <a:buAutoNum type="arabicPeriod"/>
+              <a:defRPr/>
+            </a:pPr>
+            <a:r>
+              <a:rPr lang="es-MX" sz="1400" dirty="0">
+                <a:solidFill>
+                  <a:srgbClr val="677480"/>
+                </a:solidFill>
+                <a:latin typeface="Montserrat Medium" panose="020B0604020202020204" charset="0"/>
+                <a:ea typeface="Open Sans" panose="020B0604020202020204" charset="0"/>
+                <a:cs typeface="Open Sans" panose="020B0604020202020204" charset="0"/>
+                <a:sym typeface="Lato"/>
+              </a:rPr>
+              <a:t>Procedimiento de cálculo de fractales (F1, F2, F3, F4, F5, F6, F7, F8, F9) día</a:t>
+            </a:r>
+          </a:p>
+          <a:p>
+            <a:pPr>
+              <a:lnSpc>
+                <a:spcPct val="100000"/>
+              </a:lnSpc>
+              <a:buClr>
+                <a:srgbClr val="677480"/>
+              </a:buClr>
+              <a:buSzPts val="1100"/>
+              <a:buFont typeface="+mj-lt"/>
+              <a:buAutoNum type="arabicPeriod"/>
+              <a:defRPr/>
+            </a:pPr>
+            <a:r>
+              <a:rPr lang="es-MX" sz="1400" dirty="0">
+                <a:solidFill>
+                  <a:srgbClr val="677480"/>
+                </a:solidFill>
+                <a:latin typeface="Montserrat Medium" panose="020B0604020202020204" charset="0"/>
+                <a:ea typeface="Open Sans" panose="020B0604020202020204" charset="0"/>
+                <a:cs typeface="Open Sans" panose="020B0604020202020204" charset="0"/>
+                <a:sym typeface="Lato"/>
+              </a:rPr>
+              <a:t>Procedimiento de cálculo de medidas de retorno / riesgo: Utilidad, YTD, </a:t>
+            </a:r>
+            <a:r>
+              <a:rPr lang="es-MX" sz="1400" dirty="0" err="1">
+                <a:solidFill>
+                  <a:srgbClr val="677480"/>
+                </a:solidFill>
+                <a:latin typeface="Montserrat Medium" panose="020B0604020202020204" charset="0"/>
+                <a:ea typeface="Open Sans" panose="020B0604020202020204" charset="0"/>
+                <a:cs typeface="Open Sans" panose="020B0604020202020204" charset="0"/>
+                <a:sym typeface="Lato"/>
+              </a:rPr>
+              <a:t>Trade</a:t>
+            </a:r>
+            <a:r>
+              <a:rPr lang="es-MX" sz="1400" dirty="0">
+                <a:solidFill>
+                  <a:srgbClr val="677480"/>
+                </a:solidFill>
+                <a:latin typeface="Montserrat Medium" panose="020B0604020202020204" charset="0"/>
+                <a:ea typeface="Open Sans" panose="020B0604020202020204" charset="0"/>
+                <a:cs typeface="Open Sans" panose="020B0604020202020204" charset="0"/>
+                <a:sym typeface="Lato"/>
+              </a:rPr>
+              <a:t>, MDD, VAR, riesgo</a:t>
+            </a:r>
+          </a:p>
+          <a:p>
+            <a:pPr>
+              <a:lnSpc>
+                <a:spcPct val="100000"/>
+              </a:lnSpc>
+              <a:buClr>
+                <a:srgbClr val="677480"/>
+              </a:buClr>
+              <a:buSzPts val="1100"/>
+              <a:buFont typeface="+mj-lt"/>
+              <a:buAutoNum type="arabicPeriod"/>
+              <a:defRPr/>
+            </a:pPr>
+            <a:r>
+              <a:rPr lang="es-MX" sz="1400" dirty="0">
+                <a:solidFill>
+                  <a:srgbClr val="677480"/>
+                </a:solidFill>
+                <a:latin typeface="Montserrat Medium" panose="020B0604020202020204" charset="0"/>
+                <a:ea typeface="Open Sans" panose="020B0604020202020204" charset="0"/>
+                <a:cs typeface="Open Sans" panose="020B0604020202020204" charset="0"/>
+                <a:sym typeface="Lato"/>
+              </a:rPr>
+              <a:t>Adición de TP y % de cierre en formulación</a:t>
+            </a:r>
+          </a:p>
+          <a:p>
+            <a:pPr>
+              <a:lnSpc>
+                <a:spcPct val="100000"/>
+              </a:lnSpc>
+              <a:buClr>
+                <a:srgbClr val="677480"/>
+              </a:buClr>
+              <a:buSzPts val="1100"/>
+              <a:buFont typeface="+mj-lt"/>
+              <a:buAutoNum type="arabicPeriod"/>
+              <a:defRPr/>
+            </a:pPr>
+            <a:r>
+              <a:rPr lang="es-MX" sz="1400" dirty="0">
+                <a:solidFill>
+                  <a:srgbClr val="677480"/>
+                </a:solidFill>
+                <a:latin typeface="Montserrat Medium" panose="020B0604020202020204" charset="0"/>
+                <a:ea typeface="Open Sans" panose="020B0604020202020204" charset="0"/>
+                <a:cs typeface="Open Sans" panose="020B0604020202020204" charset="0"/>
+                <a:sym typeface="Lato"/>
+              </a:rPr>
+              <a:t>Adición de Spread </a:t>
+            </a:r>
+            <a:r>
+              <a:rPr lang="es-MX" sz="1400" dirty="0" err="1">
+                <a:solidFill>
+                  <a:srgbClr val="677480"/>
+                </a:solidFill>
+                <a:latin typeface="Montserrat Medium" panose="020B0604020202020204" charset="0"/>
+                <a:ea typeface="Open Sans" panose="020B0604020202020204" charset="0"/>
+                <a:cs typeface="Open Sans" panose="020B0604020202020204" charset="0"/>
+                <a:sym typeface="Lato"/>
+              </a:rPr>
+              <a:t>Swell</a:t>
+            </a:r>
+            <a:r>
+              <a:rPr lang="es-MX" sz="1400" dirty="0">
+                <a:solidFill>
+                  <a:srgbClr val="677480"/>
+                </a:solidFill>
+                <a:latin typeface="Montserrat Medium" panose="020B0604020202020204" charset="0"/>
+                <a:ea typeface="Open Sans" panose="020B0604020202020204" charset="0"/>
+                <a:cs typeface="Open Sans" panose="020B0604020202020204" charset="0"/>
+                <a:sym typeface="Lato"/>
+              </a:rPr>
+              <a:t> en formulación</a:t>
+            </a:r>
+          </a:p>
+          <a:p>
+            <a:pPr>
+              <a:lnSpc>
+                <a:spcPct val="100000"/>
+              </a:lnSpc>
+              <a:buClr>
+                <a:srgbClr val="677480"/>
+              </a:buClr>
+              <a:buSzPts val="1100"/>
+              <a:buFont typeface="+mj-lt"/>
+              <a:buAutoNum type="arabicPeriod"/>
+              <a:defRPr/>
+            </a:pPr>
+            <a:r>
+              <a:rPr lang="es-MX" sz="1400" dirty="0">
+                <a:solidFill>
+                  <a:srgbClr val="677480"/>
+                </a:solidFill>
+                <a:latin typeface="Montserrat Medium" panose="020B0604020202020204" charset="0"/>
+                <a:ea typeface="Open Sans" panose="020B0604020202020204" charset="0"/>
+                <a:cs typeface="Open Sans" panose="020B0604020202020204" charset="0"/>
+                <a:sym typeface="Lato"/>
+              </a:rPr>
+              <a:t>Presentación de resultados en matrices de sensibilidad</a:t>
+            </a:r>
+          </a:p>
+          <a:p>
+            <a:pPr>
+              <a:lnSpc>
+                <a:spcPct val="100000"/>
+              </a:lnSpc>
+              <a:buClr>
+                <a:srgbClr val="677480"/>
+              </a:buClr>
+              <a:buSzPts val="1100"/>
+              <a:buFont typeface="+mj-lt"/>
+              <a:buAutoNum type="arabicPeriod"/>
+              <a:defRPr/>
+            </a:pPr>
+            <a:endParaRPr lang="es-MX" sz="1400" b="1" i="1" dirty="0">
+              <a:solidFill>
+                <a:srgbClr val="677480"/>
+              </a:solidFill>
+              <a:latin typeface="Montserrat Medium" panose="020B0604020202020204" charset="0"/>
+              <a:ea typeface="Open Sans" panose="020B0604020202020204" charset="0"/>
+              <a:cs typeface="Open Sans" panose="020B0604020202020204" charset="0"/>
+              <a:sym typeface="Lato"/>
+            </a:endParaRPr>
+          </a:p>
+          <a:p>
+            <a:pPr>
+              <a:lnSpc>
+                <a:spcPct val="100000"/>
+              </a:lnSpc>
+              <a:buClr>
+                <a:srgbClr val="677480"/>
+              </a:buClr>
+              <a:buSzPts val="1100"/>
+              <a:buFont typeface="+mj-lt"/>
+              <a:buAutoNum type="arabicPeriod"/>
+              <a:defRPr/>
+            </a:pPr>
+            <a:endParaRPr lang="es-MX" sz="1400" b="1" i="1" dirty="0">
+              <a:solidFill>
+                <a:srgbClr val="677480"/>
+              </a:solidFill>
+              <a:latin typeface="Montserrat Medium" panose="020B0604020202020204" charset="0"/>
+              <a:ea typeface="Open Sans" panose="020B0604020202020204" charset="0"/>
+              <a:cs typeface="Open Sans" panose="020B0604020202020204" charset="0"/>
+              <a:sym typeface="Lato"/>
+            </a:endParaRPr>
+          </a:p>
+          <a:p>
+            <a:pPr>
+              <a:lnSpc>
+                <a:spcPct val="100000"/>
+              </a:lnSpc>
+              <a:buClr>
+                <a:srgbClr val="677480"/>
+              </a:buClr>
+              <a:buSzPts val="1100"/>
+              <a:buFont typeface="+mj-lt"/>
+              <a:buAutoNum type="arabicPeriod"/>
+              <a:defRPr/>
+            </a:pPr>
+            <a:endParaRPr lang="es-MX" sz="1400" b="1" i="1" dirty="0">
+              <a:solidFill>
+                <a:srgbClr val="677480"/>
+              </a:solidFill>
+              <a:latin typeface="Montserrat Medium" panose="020B0604020202020204" charset="0"/>
+              <a:ea typeface="Open Sans" panose="020B0604020202020204" charset="0"/>
+              <a:cs typeface="Open Sans" panose="020B0604020202020204" charset="0"/>
+              <a:sym typeface="Lato"/>
+            </a:endParaRPr>
+          </a:p>
+        </p:txBody>
+      </p:sp>
+    </p:spTree>
+    <p:extLst>
+      <p:ext uri="{BB962C8B-B14F-4D97-AF65-F5344CB8AC3E}">
+        <p14:creationId xmlns:p14="http://schemas.microsoft.com/office/powerpoint/2010/main" val="3732594618"/>
       </p:ext>
     </p:extLst>
   </p:cSld>
